--- a/Week4/ZYXPPP4.pptx
+++ b/Week4/ZYXPPP4.pptx
@@ -9975,7 +9975,7 @@
           <p:nvPr>
             <p:extLst>
               <p:ext uri="{D42A27DB-BD31-4B8C-83A1-F6EECF244321}">
-                <p14:modId xmlns:p14="http://schemas.microsoft.com/office/powerpoint/2010/main" val="2565875489"/>
+                <p14:modId xmlns:p14="http://schemas.microsoft.com/office/powerpoint/2010/main" val="1576438848"/>
               </p:ext>
             </p:extLst>
           </p:nvPr>
